--- a/CST-tests-Mar2019.pptx
+++ b/CST-tests-Mar2019.pptx
@@ -5,7 +5,7 @@
     <p:sldMasterId id="2147483672" r:id="rId1"/>
   </p:sldMasterIdLst>
   <p:notesMasterIdLst>
-    <p:notesMasterId r:id="rId23"/>
+    <p:notesMasterId r:id="rId24"/>
   </p:notesMasterIdLst>
   <p:sldIdLst>
     <p:sldId id="256" r:id="rId2"/>
@@ -24,11 +24,12 @@
     <p:sldId id="270" r:id="rId15"/>
     <p:sldId id="271" r:id="rId16"/>
     <p:sldId id="272" r:id="rId17"/>
-    <p:sldId id="269" r:id="rId18"/>
-    <p:sldId id="273" r:id="rId19"/>
-    <p:sldId id="274" r:id="rId20"/>
-    <p:sldId id="275" r:id="rId21"/>
-    <p:sldId id="276" r:id="rId22"/>
+    <p:sldId id="277" r:id="rId18"/>
+    <p:sldId id="269" r:id="rId19"/>
+    <p:sldId id="273" r:id="rId20"/>
+    <p:sldId id="274" r:id="rId21"/>
+    <p:sldId id="275" r:id="rId22"/>
+    <p:sldId id="276" r:id="rId23"/>
   </p:sldIdLst>
   <p:sldSz cx="9144000" cy="6858000" type="screen4x3"/>
   <p:notesSz cx="6858000" cy="9144000"/>
@@ -6301,6 +6302,13 @@
   <p:clrMapOvr>
     <a:masterClrMapping/>
   </p:clrMapOvr>
+  <p:timing>
+    <p:tnLst>
+      <p:par>
+        <p:cTn id="1" dur="indefinite" restart="never" nodeType="tmRoot"/>
+      </p:par>
+    </p:tnLst>
+  </p:timing>
 </p:sld>
 </file>
 
@@ -6406,6 +6414,13 @@
   <p:clrMapOvr>
     <a:masterClrMapping/>
   </p:clrMapOvr>
+  <p:timing>
+    <p:tnLst>
+      <p:par>
+        <p:cTn id="1" dur="indefinite" restart="never" nodeType="tmRoot"/>
+      </p:par>
+    </p:tnLst>
+  </p:timing>
 </p:sld>
 </file>
 
@@ -6511,6 +6526,13 @@
   <p:clrMapOvr>
     <a:masterClrMapping/>
   </p:clrMapOvr>
+  <p:timing>
+    <p:tnLst>
+      <p:par>
+        <p:cTn id="1" dur="indefinite" restart="never" nodeType="tmRoot"/>
+      </p:par>
+    </p:tnLst>
+  </p:timing>
 </p:sld>
 </file>
 
@@ -6616,6 +6638,13 @@
   <p:clrMapOvr>
     <a:masterClrMapping/>
   </p:clrMapOvr>
+  <p:timing>
+    <p:tnLst>
+      <p:par>
+        <p:cTn id="1" dur="indefinite" restart="never" nodeType="tmRoot"/>
+      </p:par>
+    </p:tnLst>
+  </p:timing>
 </p:sld>
 </file>
 
@@ -6722,6 +6751,13 @@
   <p:clrMapOvr>
     <a:masterClrMapping/>
   </p:clrMapOvr>
+  <p:timing>
+    <p:tnLst>
+      <p:par>
+        <p:cTn id="1" dur="indefinite" restart="never" nodeType="tmRoot"/>
+      </p:par>
+    </p:tnLst>
+  </p:timing>
 </p:sld>
 </file>
 
@@ -7130,7 +7166,7 @@
           <a:p>
             <a:r>
               <a:rPr lang="en-US" dirty="0" smtClean="0"/>
-              <a:t>Summary</a:t>
+              <a:t>Delta/sigma</a:t>
             </a:r>
             <a:endParaRPr lang="en-US" dirty="0"/>
           </a:p>
@@ -7159,110 +7195,91 @@
           </a:p>
         </p:txBody>
       </p:sp>
-      <p:sp>
-        <p:nvSpPr>
-          <p:cNvPr id="3" name="Content Placeholder 2"/>
-          <p:cNvSpPr>
-            <a:spLocks noGrp="1"/>
-          </p:cNvSpPr>
+      <p:pic>
+        <p:nvPicPr>
+          <p:cNvPr id="8" name="Content Placeholder 7"/>
+          <p:cNvPicPr>
+            <a:picLocks noGrp="1" noChangeAspect="1"/>
+          </p:cNvPicPr>
           <p:nvPr>
             <p:ph idx="1"/>
           </p:nvPr>
-        </p:nvSpPr>
-        <p:spPr/>
-        <p:txBody>
-          <a:bodyPr/>
+        </p:nvPicPr>
+        <p:blipFill>
+          <a:blip r:embed="rId2">
+            <a:extLst>
+              <a:ext uri="{28A0092B-C50C-407E-A947-70E740481C1C}">
+                <a14:useLocalDpi xmlns:a14="http://schemas.microsoft.com/office/drawing/2010/main" val="0"/>
+              </a:ext>
+            </a:extLst>
+          </a:blip>
+          <a:stretch>
+            <a:fillRect/>
+          </a:stretch>
+        </p:blipFill>
+        <p:spPr>
+          <a:xfrm>
+            <a:off x="215900" y="1562100"/>
+            <a:ext cx="4686300" cy="3124200"/>
+          </a:xfrm>
+        </p:spPr>
+      </p:pic>
+      <p:pic>
+        <p:nvPicPr>
+          <p:cNvPr id="9" name="Picture 8"/>
+          <p:cNvPicPr>
+            <a:picLocks noChangeAspect="1"/>
+          </p:cNvPicPr>
+          <p:nvPr/>
+        </p:nvPicPr>
+        <p:blipFill>
+          <a:blip r:embed="rId3">
+            <a:extLst>
+              <a:ext uri="{28A0092B-C50C-407E-A947-70E740481C1C}">
+                <a14:useLocalDpi xmlns:a14="http://schemas.microsoft.com/office/drawing/2010/main" val="0"/>
+              </a:ext>
+            </a:extLst>
+          </a:blip>
+          <a:stretch>
+            <a:fillRect/>
+          </a:stretch>
+        </p:blipFill>
+        <p:spPr>
+          <a:xfrm>
+            <a:off x="4457700" y="1562100"/>
+            <a:ext cx="4686300" cy="3124200"/>
+          </a:xfrm>
+          <a:prstGeom prst="rect">
+            <a:avLst/>
+          </a:prstGeom>
+        </p:spPr>
+      </p:pic>
+      <p:sp>
+        <p:nvSpPr>
+          <p:cNvPr id="10" name="TextBox 9"/>
+          <p:cNvSpPr txBox="1"/>
+          <p:nvPr/>
+        </p:nvSpPr>
+        <p:spPr>
+          <a:xfrm>
+            <a:off x="546100" y="5384800"/>
+            <a:ext cx="4919360" cy="369332"/>
+          </a:xfrm>
+          <a:prstGeom prst="rect">
+            <a:avLst/>
+          </a:prstGeom>
+          <a:noFill/>
+        </p:spPr>
+        <p:txBody>
+          <a:bodyPr wrap="none" rtlCol="0">
+            <a:spAutoFit/>
+          </a:bodyPr>
           <a:lstStyle/>
           <a:p>
             <a:r>
               <a:rPr lang="en-US" dirty="0" smtClean="0"/>
-              <a:t>The region of interest goes up to ~450 </a:t>
-            </a:r>
-            <a:r>
-              <a:rPr lang="en-US" dirty="0" err="1" smtClean="0"/>
-              <a:t>ps</a:t>
-            </a:r>
-            <a:r>
-              <a:rPr lang="en-US" dirty="0" smtClean="0"/>
-              <a:t> with the present geometry. </a:t>
-            </a:r>
-            <a:r>
-              <a:rPr lang="en-US" dirty="0" err="1" smtClean="0"/>
-              <a:t>Konstatin</a:t>
-            </a:r>
-            <a:r>
-              <a:rPr lang="en-US" dirty="0" smtClean="0"/>
-              <a:t> was looking at ~150 ps. The region of interest is the peak around 270 </a:t>
-            </a:r>
-            <a:r>
-              <a:rPr lang="en-US" dirty="0" err="1" smtClean="0"/>
-              <a:t>ps</a:t>
-            </a:r>
-            <a:endParaRPr lang="en-US" dirty="0" smtClean="0"/>
-          </a:p>
-          <a:p>
-            <a:r>
-              <a:rPr lang="en-US" dirty="0" smtClean="0"/>
-              <a:t>No field pictures due to CST fail in handling big files</a:t>
-            </a:r>
-          </a:p>
-          <a:p>
-            <a:r>
-              <a:rPr lang="en-US" dirty="0" smtClean="0"/>
-              <a:t>The vacuum around the prism seems to not to influence the region of interest. What comes after are reflections (?)</a:t>
-            </a:r>
-          </a:p>
-          <a:p>
-            <a:r>
-              <a:rPr lang="en-US" dirty="0" smtClean="0"/>
-              <a:t>When </a:t>
-            </a:r>
-            <a:r>
-              <a:rPr lang="en-US" b="1" dirty="0" smtClean="0"/>
-              <a:t>steering the beam</a:t>
-            </a:r>
-            <a:r>
-              <a:rPr lang="en-US" dirty="0" smtClean="0"/>
-              <a:t>, the signal depends on the position as expected</a:t>
-            </a:r>
-          </a:p>
-          <a:p>
-            <a:r>
-              <a:rPr lang="en-US" dirty="0" smtClean="0"/>
-              <a:t>The differences with </a:t>
-            </a:r>
-            <a:r>
-              <a:rPr lang="en-US" dirty="0" err="1" smtClean="0"/>
-              <a:t>vSIM</a:t>
-            </a:r>
-            <a:r>
-              <a:rPr lang="en-US" dirty="0" smtClean="0"/>
-              <a:t> come from ? </a:t>
-            </a:r>
-          </a:p>
-          <a:p>
-            <a:pPr lvl="1"/>
-            <a:r>
-              <a:rPr lang="en-US" dirty="0" smtClean="0"/>
-              <a:t>Same beam and same geometry</a:t>
-            </a:r>
-          </a:p>
-          <a:p>
-            <a:pPr lvl="1"/>
-            <a:r>
-              <a:rPr lang="en-US" dirty="0" smtClean="0"/>
-              <a:t>Material properties ? </a:t>
-            </a:r>
-          </a:p>
-          <a:p>
-            <a:pPr lvl="1"/>
-            <a:r>
-              <a:rPr lang="en-US" dirty="0" smtClean="0"/>
-              <a:t>Slight difference in the field probe position ?</a:t>
-            </a:r>
-          </a:p>
-          <a:p>
-            <a:pPr lvl="1"/>
+              <a:t>From the peak to peak voltage at the field probes</a:t>
+            </a:r>
             <a:endParaRPr lang="en-US" dirty="0"/>
           </a:p>
         </p:txBody>
@@ -7270,20 +7287,13 @@
     </p:spTree>
     <p:extLst>
       <p:ext uri="{BB962C8B-B14F-4D97-AF65-F5344CB8AC3E}">
-        <p14:creationId xmlns:p14="http://schemas.microsoft.com/office/powerpoint/2010/main" val="99496264"/>
+        <p14:creationId xmlns:p14="http://schemas.microsoft.com/office/powerpoint/2010/main" val="981026144"/>
       </p:ext>
     </p:extLst>
   </p:cSld>
   <p:clrMapOvr>
     <a:masterClrMapping/>
   </p:clrMapOvr>
-  <p:timing>
-    <p:tnLst>
-      <p:par>
-        <p:cTn id="1" dur="indefinite" restart="never" nodeType="tmRoot"/>
-      </p:par>
-    </p:tnLst>
-  </p:timing>
 </p:sld>
 </file>
 
@@ -7321,7 +7331,7 @@
           <a:p>
             <a:r>
               <a:rPr lang="en-US" dirty="0" smtClean="0"/>
-              <a:t>What comes next ?</a:t>
+              <a:t>Summary</a:t>
             </a:r>
             <a:endParaRPr lang="en-US" dirty="0"/>
           </a:p>
@@ -7367,40 +7377,88 @@
           <a:p>
             <a:r>
               <a:rPr lang="en-US" dirty="0" smtClean="0"/>
-              <a:t>We can attempt GDFIDL instead </a:t>
-            </a:r>
-          </a:p>
-          <a:p>
-            <a:pPr lvl="1"/>
+              <a:t>The region of interest goes up to ~450 </a:t>
+            </a:r>
+            <a:r>
+              <a:rPr lang="en-US" dirty="0" err="1" smtClean="0"/>
+              <a:t>ps</a:t>
+            </a:r>
             <a:r>
               <a:rPr lang="en-US" dirty="0" smtClean="0"/>
-              <a:t>Still 3D simulation to be compared to the 2D </a:t>
+              <a:t> with the present geometry. </a:t>
+            </a:r>
+            <a:r>
+              <a:rPr lang="en-US" dirty="0" err="1" smtClean="0"/>
+              <a:t>Konstatin</a:t>
+            </a:r>
+            <a:r>
+              <a:rPr lang="en-US" dirty="0" smtClean="0"/>
+              <a:t> was looking at ~150 ps. The region of interest is the peak around 270 ps.</a:t>
+            </a:r>
+          </a:p>
+          <a:p>
+            <a:r>
+              <a:rPr lang="en-US" dirty="0" smtClean="0"/>
+              <a:t>No field pictures due to CST fail in handling big files</a:t>
+            </a:r>
+          </a:p>
+          <a:p>
+            <a:r>
+              <a:rPr lang="en-US" dirty="0" smtClean="0"/>
+              <a:t>The vacuum around the prism seems to not to influence the region of interest. What comes after are reflections (?)</a:t>
+            </a:r>
+          </a:p>
+          <a:p>
+            <a:r>
+              <a:rPr lang="en-US" dirty="0" smtClean="0"/>
+              <a:t>When </a:t>
+            </a:r>
+            <a:r>
+              <a:rPr lang="en-US" b="1" dirty="0" smtClean="0"/>
+              <a:t>steering the beam</a:t>
+            </a:r>
+            <a:r>
+              <a:rPr lang="en-US" dirty="0" smtClean="0"/>
+              <a:t>, the signal depends on the position as expected</a:t>
+            </a:r>
+          </a:p>
+          <a:p>
+            <a:r>
+              <a:rPr lang="en-US" dirty="0" smtClean="0"/>
+              <a:t>The differences with </a:t>
             </a:r>
             <a:r>
               <a:rPr lang="en-US" dirty="0" err="1" smtClean="0"/>
               <a:t>vSIM</a:t>
             </a:r>
-            <a:endParaRPr lang="en-US" dirty="0" smtClean="0"/>
-          </a:p>
-          <a:p>
             <a:r>
               <a:rPr lang="en-US" dirty="0" smtClean="0"/>
-              <a:t>If we reduce the vacuum, we could keep using CST</a:t>
+              <a:t> come from ? </a:t>
             </a:r>
           </a:p>
           <a:p>
             <a:pPr lvl="1"/>
             <a:r>
               <a:rPr lang="en-US" dirty="0" smtClean="0"/>
-              <a:t>But we have the field monitor problem </a:t>
-            </a:r>
-            <a:r>
-              <a:rPr lang="mr-IN" dirty="0" smtClean="0"/>
-              <a:t>…</a:t>
-            </a:r>
-            <a:endParaRPr lang="en-US" dirty="0" smtClean="0"/>
-          </a:p>
-          <a:p>
+              <a:t>Same beam and same geometry</a:t>
+            </a:r>
+          </a:p>
+          <a:p>
+            <a:pPr lvl="1"/>
+            <a:r>
+              <a:rPr lang="en-US" dirty="0" smtClean="0"/>
+              <a:t>Material properties ? </a:t>
+            </a:r>
+          </a:p>
+          <a:p>
+            <a:pPr lvl="1"/>
+            <a:r>
+              <a:rPr lang="en-US" dirty="0" smtClean="0"/>
+              <a:t>Slight difference in the field probe position ?</a:t>
+            </a:r>
+          </a:p>
+          <a:p>
+            <a:pPr lvl="1"/>
             <a:endParaRPr lang="en-US" dirty="0"/>
           </a:p>
         </p:txBody>
@@ -7408,7 +7466,7 @@
     </p:spTree>
     <p:extLst>
       <p:ext uri="{BB962C8B-B14F-4D97-AF65-F5344CB8AC3E}">
-        <p14:creationId xmlns:p14="http://schemas.microsoft.com/office/powerpoint/2010/main" val="1387548550"/>
+        <p14:creationId xmlns:p14="http://schemas.microsoft.com/office/powerpoint/2010/main" val="99496264"/>
       </p:ext>
     </p:extLst>
   </p:cSld>
@@ -7459,7 +7517,7 @@
           <a:p>
             <a:r>
               <a:rPr lang="en-US" dirty="0" smtClean="0"/>
-              <a:t>Spare</a:t>
+              <a:t>What comes next ?</a:t>
             </a:r>
             <a:endParaRPr lang="en-US" dirty="0"/>
           </a:p>
@@ -7467,12 +7525,12 @@
       </p:sp>
       <p:sp>
         <p:nvSpPr>
-          <p:cNvPr id="3" name="Content Placeholder 2"/>
-          <p:cNvSpPr>
-            <a:spLocks noGrp="1"/>
-          </p:cNvSpPr>
-          <p:nvPr>
-            <p:ph idx="1"/>
+          <p:cNvPr id="4" name="Footer Placeholder 3"/>
+          <p:cNvSpPr>
+            <a:spLocks noGrp="1"/>
+          </p:cNvSpPr>
+          <p:nvPr>
+            <p:ph type="ftr" sz="quarter" idx="11"/>
           </p:nvPr>
         </p:nvSpPr>
         <p:spPr/>
@@ -7480,18 +7538,22 @@
           <a:bodyPr/>
           <a:lstStyle/>
           <a:p>
+            <a:r>
+              <a:rPr lang="en-US" smtClean="0"/>
+              <a:t>Status of the AWAKE eBPM studies - E. Senes</a:t>
+            </a:r>
             <a:endParaRPr lang="en-US" dirty="0"/>
           </a:p>
         </p:txBody>
       </p:sp>
       <p:sp>
         <p:nvSpPr>
-          <p:cNvPr id="4" name="Footer Placeholder 3"/>
-          <p:cNvSpPr>
-            <a:spLocks noGrp="1"/>
-          </p:cNvSpPr>
-          <p:nvPr>
-            <p:ph type="ftr" sz="quarter" idx="11"/>
+          <p:cNvPr id="3" name="Content Placeholder 2"/>
+          <p:cNvSpPr>
+            <a:spLocks noGrp="1"/>
+          </p:cNvSpPr>
+          <p:nvPr>
+            <p:ph idx="1"/>
           </p:nvPr>
         </p:nvSpPr>
         <p:spPr/>
@@ -7500,9 +7562,41 @@
           <a:lstStyle/>
           <a:p>
             <a:r>
-              <a:rPr lang="en-US" smtClean="0"/>
-              <a:t>Status of the AWAKE eBPM studies - E. Senes</a:t>
-            </a:r>
+              <a:rPr lang="en-US" dirty="0" smtClean="0"/>
+              <a:t>We can attempt GDFIDL instead </a:t>
+            </a:r>
+          </a:p>
+          <a:p>
+            <a:pPr lvl="1"/>
+            <a:r>
+              <a:rPr lang="en-US" dirty="0" smtClean="0"/>
+              <a:t>Still 3D simulation to be compared to the 2D </a:t>
+            </a:r>
+            <a:r>
+              <a:rPr lang="en-US" dirty="0" err="1" smtClean="0"/>
+              <a:t>vSIM</a:t>
+            </a:r>
+            <a:endParaRPr lang="en-US" dirty="0" smtClean="0"/>
+          </a:p>
+          <a:p>
+            <a:r>
+              <a:rPr lang="en-US" dirty="0" smtClean="0"/>
+              <a:t>If we reduce the vacuum, we could keep using CST</a:t>
+            </a:r>
+          </a:p>
+          <a:p>
+            <a:pPr lvl="1"/>
+            <a:r>
+              <a:rPr lang="en-US" dirty="0" smtClean="0"/>
+              <a:t>But we have the field monitor problem </a:t>
+            </a:r>
+            <a:r>
+              <a:rPr lang="mr-IN" dirty="0" smtClean="0"/>
+              <a:t>…</a:t>
+            </a:r>
+            <a:endParaRPr lang="en-US" dirty="0" smtClean="0"/>
+          </a:p>
+          <a:p>
             <a:endParaRPr lang="en-US" dirty="0"/>
           </a:p>
         </p:txBody>
@@ -7510,13 +7604,20 @@
     </p:spTree>
     <p:extLst>
       <p:ext uri="{BB962C8B-B14F-4D97-AF65-F5344CB8AC3E}">
-        <p14:creationId xmlns:p14="http://schemas.microsoft.com/office/powerpoint/2010/main" val="1599348558"/>
+        <p14:creationId xmlns:p14="http://schemas.microsoft.com/office/powerpoint/2010/main" val="1387548550"/>
       </p:ext>
     </p:extLst>
   </p:cSld>
   <p:clrMapOvr>
     <a:masterClrMapping/>
   </p:clrMapOvr>
+  <p:timing>
+    <p:tnLst>
+      <p:par>
+        <p:cTn id="1" dur="indefinite" restart="never" nodeType="tmRoot"/>
+      </p:par>
+    </p:tnLst>
+  </p:timing>
 </p:sld>
 </file>
 
@@ -7714,6 +7815,101 @@
           <a:p>
             <a:r>
               <a:rPr lang="en-US" dirty="0" smtClean="0"/>
+              <a:t>Spare</a:t>
+            </a:r>
+            <a:endParaRPr lang="en-US" dirty="0"/>
+          </a:p>
+        </p:txBody>
+      </p:sp>
+      <p:sp>
+        <p:nvSpPr>
+          <p:cNvPr id="3" name="Content Placeholder 2"/>
+          <p:cNvSpPr>
+            <a:spLocks noGrp="1"/>
+          </p:cNvSpPr>
+          <p:nvPr>
+            <p:ph idx="1"/>
+          </p:nvPr>
+        </p:nvSpPr>
+        <p:spPr/>
+        <p:txBody>
+          <a:bodyPr/>
+          <a:lstStyle/>
+          <a:p>
+            <a:endParaRPr lang="en-US" dirty="0"/>
+          </a:p>
+        </p:txBody>
+      </p:sp>
+      <p:sp>
+        <p:nvSpPr>
+          <p:cNvPr id="4" name="Footer Placeholder 3"/>
+          <p:cNvSpPr>
+            <a:spLocks noGrp="1"/>
+          </p:cNvSpPr>
+          <p:nvPr>
+            <p:ph type="ftr" sz="quarter" idx="11"/>
+          </p:nvPr>
+        </p:nvSpPr>
+        <p:spPr/>
+        <p:txBody>
+          <a:bodyPr/>
+          <a:lstStyle/>
+          <a:p>
+            <a:r>
+              <a:rPr lang="en-US" smtClean="0"/>
+              <a:t>Status of the AWAKE eBPM studies - E. Senes</a:t>
+            </a:r>
+            <a:endParaRPr lang="en-US" dirty="0"/>
+          </a:p>
+        </p:txBody>
+      </p:sp>
+    </p:spTree>
+    <p:extLst>
+      <p:ext uri="{BB962C8B-B14F-4D97-AF65-F5344CB8AC3E}">
+        <p14:creationId xmlns:p14="http://schemas.microsoft.com/office/powerpoint/2010/main" val="1599348558"/>
+      </p:ext>
+    </p:extLst>
+  </p:cSld>
+  <p:clrMapOvr>
+    <a:masterClrMapping/>
+  </p:clrMapOvr>
+</p:sld>
+</file>
+
+<file path=ppt/slides/slide21.xml><?xml version="1.0" encoding="utf-8"?>
+<p:sld xmlns:a="http://schemas.openxmlformats.org/drawingml/2006/main" xmlns:r="http://schemas.openxmlformats.org/officeDocument/2006/relationships" xmlns:p="http://schemas.openxmlformats.org/presentationml/2006/main">
+  <p:cSld>
+    <p:spTree>
+      <p:nvGrpSpPr>
+        <p:cNvPr id="1" name=""/>
+        <p:cNvGrpSpPr/>
+        <p:nvPr/>
+      </p:nvGrpSpPr>
+      <p:grpSpPr>
+        <a:xfrm>
+          <a:off x="0" y="0"/>
+          <a:ext cx="0" cy="0"/>
+          <a:chOff x="0" y="0"/>
+          <a:chExt cx="0" cy="0"/>
+        </a:xfrm>
+      </p:grpSpPr>
+      <p:sp>
+        <p:nvSpPr>
+          <p:cNvPr id="2" name="Title 1"/>
+          <p:cNvSpPr>
+            <a:spLocks noGrp="1"/>
+          </p:cNvSpPr>
+          <p:nvPr>
+            <p:ph type="title"/>
+          </p:nvPr>
+        </p:nvSpPr>
+        <p:spPr/>
+        <p:txBody>
+          <a:bodyPr/>
+          <a:lstStyle/>
+          <a:p>
+            <a:r>
+              <a:rPr lang="en-US" dirty="0" smtClean="0"/>
               <a:t>Field monitor crash problem </a:t>
             </a:r>
             <a:endParaRPr lang="en-US" dirty="0"/>
@@ -7816,7 +8012,7 @@
 </p:sld>
 </file>
 
-<file path=ppt/slides/slide21.xml><?xml version="1.0" encoding="utf-8"?>
+<file path=ppt/slides/slide22.xml><?xml version="1.0" encoding="utf-8"?>
 <p:sld xmlns:a="http://schemas.openxmlformats.org/drawingml/2006/main" xmlns:r="http://schemas.openxmlformats.org/officeDocument/2006/relationships" xmlns:p="http://schemas.openxmlformats.org/presentationml/2006/main">
   <p:cSld>
     <p:spTree>
@@ -8048,8 +8244,11 @@
             <a:pPr lvl="1"/>
             <a:r>
               <a:rPr lang="en-US" dirty="0" smtClean="0"/>
-              <a:t>400 GHz bandwidth</a:t>
-            </a:r>
+              <a:t>400 GHz bandwidth simulation</a:t>
+            </a:r>
+          </a:p>
+          <a:p>
+            <a:endParaRPr lang="en-US" dirty="0" smtClean="0"/>
           </a:p>
           <a:p>
             <a:r>
@@ -8191,6 +8390,13 @@
   <p:clrMapOvr>
     <a:masterClrMapping/>
   </p:clrMapOvr>
+  <p:timing>
+    <p:tnLst>
+      <p:par>
+        <p:cTn id="1" dur="indefinite" restart="never" nodeType="tmRoot"/>
+      </p:par>
+    </p:tnLst>
+  </p:timing>
 </p:sld>
 </file>
 
@@ -8422,6 +8628,13 @@
   <p:clrMapOvr>
     <a:masterClrMapping/>
   </p:clrMapOvr>
+  <p:timing>
+    <p:tnLst>
+      <p:par>
+        <p:cTn id="1" dur="indefinite" restart="never" nodeType="tmRoot"/>
+      </p:par>
+    </p:tnLst>
+  </p:timing>
 </p:sld>
 </file>
 
@@ -8752,6 +8965,13 @@
   <p:clrMapOvr>
     <a:masterClrMapping/>
   </p:clrMapOvr>
+  <p:timing>
+    <p:tnLst>
+      <p:par>
+        <p:cTn id="1" dur="indefinite" restart="never" nodeType="tmRoot"/>
+      </p:par>
+    </p:tnLst>
+  </p:timing>
 </p:sld>
 </file>
 
@@ -9112,6 +9332,13 @@
   <p:clrMapOvr>
     <a:masterClrMapping/>
   </p:clrMapOvr>
+  <p:timing>
+    <p:tnLst>
+      <p:par>
+        <p:cTn id="1" dur="indefinite" restart="never" nodeType="tmRoot"/>
+      </p:par>
+    </p:tnLst>
+  </p:timing>
 </p:sld>
 </file>
 
@@ -9392,6 +9619,13 @@
   <p:clrMapOvr>
     <a:masterClrMapping/>
   </p:clrMapOvr>
+  <p:timing>
+    <p:tnLst>
+      <p:par>
+        <p:cTn id="1" dur="indefinite" restart="never" nodeType="tmRoot"/>
+      </p:par>
+    </p:tnLst>
+  </p:timing>
 </p:sld>
 </file>
 
@@ -9702,6 +9936,13 @@
   <p:clrMapOvr>
     <a:masterClrMapping/>
   </p:clrMapOvr>
+  <p:timing>
+    <p:tnLst>
+      <p:par>
+        <p:cTn id="1" dur="indefinite" restart="never" nodeType="tmRoot"/>
+      </p:par>
+    </p:tnLst>
+  </p:timing>
 </p:sld>
 </file>
 
@@ -9982,6 +10223,13 @@
   <p:clrMapOvr>
     <a:masterClrMapping/>
   </p:clrMapOvr>
+  <p:timing>
+    <p:tnLst>
+      <p:par>
+        <p:cTn id="1" dur="indefinite" restart="never" nodeType="tmRoot"/>
+      </p:par>
+    </p:tnLst>
+  </p:timing>
 </p:sld>
 </file>
 
